--- a/Apresentação.pptx
+++ b/Apresentação.pptx
@@ -248,7 +248,7 @@
           <a:p>
             <a:fld id="{59041DB8-B66F-4DC8-A96E-33677E0F90FF}" type="datetimeFigureOut">
               <a:rPr lang="pt-PT" smtClean="0"/>
-              <a:t>30/05/2015</a:t>
+              <a:t>01/06/2015</a:t>
             </a:fld>
             <a:endParaRPr lang="pt-PT" dirty="0"/>
           </a:p>
@@ -413,7 +413,7 @@
           <a:p>
             <a:fld id="{DEB49C4A-65AC-492D-9701-81B46C3AD0E4}" type="datetimeFigureOut">
               <a:rPr lang="pt-PT" smtClean="0"/>
-              <a:t>30/05/2015</a:t>
+              <a:t>01/06/2015</a:t>
             </a:fld>
             <a:endParaRPr lang="pt-PT" dirty="0"/>
           </a:p>
@@ -3275,7 +3275,7 @@
           <a:p>
             <a:fld id="{384A29A4-78C8-47AB-BA06-22CB45938951}" type="datetime1">
               <a:rPr lang="pt-PT" smtClean="0"/>
-              <a:t>30/05/2015</a:t>
+              <a:t>01/06/2015</a:t>
             </a:fld>
             <a:endParaRPr lang="pt-PT" dirty="0"/>
           </a:p>
@@ -3467,7 +3467,7 @@
           <a:p>
             <a:fld id="{E1ED4ACF-2D82-46F2-A8E9-23963AA34E86}" type="datetime1">
               <a:rPr lang="pt-PT" smtClean="0"/>
-              <a:t>30/05/2015</a:t>
+              <a:t>01/06/2015</a:t>
             </a:fld>
             <a:endParaRPr lang="pt-PT" dirty="0"/>
           </a:p>
@@ -3649,7 +3649,7 @@
           <a:p>
             <a:fld id="{AE374B5B-21A0-4192-BF4C-38187F1A68D8}" type="datetime1">
               <a:rPr lang="pt-PT" smtClean="0"/>
-              <a:t>30/05/2015</a:t>
+              <a:t>01/06/2015</a:t>
             </a:fld>
             <a:endParaRPr lang="pt-PT" dirty="0"/>
           </a:p>
@@ -5989,7 +5989,7 @@
           <a:p>
             <a:fld id="{33B5CF7C-B333-48E1-A4A6-83A3C8B73AC0}" type="datetime1">
               <a:rPr lang="pt-PT" smtClean="0"/>
-              <a:t>30/05/2015</a:t>
+              <a:t>01/06/2015</a:t>
             </a:fld>
             <a:endParaRPr lang="pt-PT" dirty="0"/>
           </a:p>
@@ -6441,7 +6441,7 @@
           <a:p>
             <a:fld id="{AE320762-5CBF-4210-AB54-376B091119F8}" type="datetime1">
               <a:rPr lang="pt-PT" smtClean="0"/>
-              <a:t>30/05/2015</a:t>
+              <a:t>01/06/2015</a:t>
             </a:fld>
             <a:endParaRPr lang="pt-PT" dirty="0"/>
           </a:p>
@@ -6571,7 +6571,7 @@
           <a:p>
             <a:fld id="{7F0DB371-BF5F-4058-A212-1A908E4D2674}" type="datetime1">
               <a:rPr lang="pt-PT" smtClean="0"/>
-              <a:t>30/05/2015</a:t>
+              <a:t>01/06/2015</a:t>
             </a:fld>
             <a:endParaRPr lang="pt-PT" dirty="0"/>
           </a:p>
@@ -8501,7 +8501,7 @@
           <a:p>
             <a:fld id="{60A4083B-90AA-48CF-BAD5-00AA24D7F288}" type="datetime1">
               <a:rPr lang="pt-PT" smtClean="0"/>
-              <a:t>30/05/2015</a:t>
+              <a:t>01/06/2015</a:t>
             </a:fld>
             <a:endParaRPr lang="pt-PT" dirty="0"/>
           </a:p>
@@ -10748,7 +10748,7 @@
           <a:p>
             <a:fld id="{F5BAF629-ECA2-4CF3-B790-9D9BDED98269}" type="datetime1">
               <a:rPr lang="pt-PT" smtClean="0"/>
-              <a:t>30/05/2015</a:t>
+              <a:t>01/06/2015</a:t>
             </a:fld>
             <a:endParaRPr lang="pt-PT" dirty="0"/>
           </a:p>
@@ -14976,7 +14976,7 @@
           <a:p>
             <a:fld id="{B51B2453-8663-4C69-AF73-9FD7B1DEC5D0}" type="datetime1">
               <a:rPr lang="pt-PT" smtClean="0"/>
-              <a:t>30/05/2015</a:t>
+              <a:t>01/06/2015</a:t>
             </a:fld>
             <a:endParaRPr lang="pt-PT" dirty="0"/>
           </a:p>
@@ -15492,7 +15492,7 @@
         </p:nvSpPr>
         <p:spPr>
           <a:xfrm>
-            <a:off x="0" y="1171978"/>
+            <a:off x="492761" y="1115659"/>
             <a:ext cx="11699239" cy="2045366"/>
           </a:xfrm>
         </p:spPr>
@@ -15535,14 +15535,6 @@
               </a:rPr>
               <a:t>de Conhecimento e Raciocínio</a:t>
             </a:r>
-            <a:endParaRPr lang="pt-PT" sz="6000" dirty="0">
-              <a:solidFill>
-                <a:schemeClr val="tx2">
-                  <a:lumMod val="75000"/>
-                  <a:lumOff val="25000"/>
-                </a:schemeClr>
-              </a:solidFill>
-            </a:endParaRPr>
           </a:p>
         </p:txBody>
       </p:sp>
@@ -15755,25 +15747,8 @@
                     </a:schemeClr>
                   </a:solidFill>
                 </a:rPr>
-                <a:t>Licenciatura em Engenharia </a:t>
+                <a:t>Licenciatura em Engenharia Informática</a:t>
               </a:r>
-              <a:r>
-                <a:rPr lang="pt-PT" sz="1600" dirty="0" smtClean="0">
-                  <a:solidFill>
-                    <a:schemeClr val="bg1">
-                      <a:lumMod val="65000"/>
-                    </a:schemeClr>
-                  </a:solidFill>
-                </a:rPr>
-                <a:t>Informática</a:t>
-              </a:r>
-              <a:endParaRPr lang="pt-PT" sz="1600" dirty="0" smtClean="0">
-                <a:solidFill>
-                  <a:schemeClr val="bg1">
-                    <a:lumMod val="65000"/>
-                  </a:schemeClr>
-                </a:solidFill>
-              </a:endParaRPr>
             </a:p>
           </p:txBody>
         </p:sp>
@@ -16073,13 +16048,13 @@
   <p:clrMapOvr>
     <a:masterClrMapping/>
   </p:clrMapOvr>
-  <mc:AlternateContent xmlns:mc="http://schemas.openxmlformats.org/markup-compatibility/2006">
-    <mc:Choice xmlns:p14="http://schemas.microsoft.com/office/powerpoint/2010/main" Requires="p14">
+  <mc:AlternateContent xmlns:mc="http://schemas.openxmlformats.org/markup-compatibility/2006" xmlns:p14="http://schemas.microsoft.com/office/powerpoint/2010/main">
+    <mc:Choice Requires="p14">
       <p:transition spd="med" p14:dur="700">
         <p:fade/>
       </p:transition>
     </mc:Choice>
-    <mc:Fallback>
+    <mc:Fallback xmlns="">
       <p:transition spd="med">
         <p:fade/>
       </p:transition>
@@ -16163,38 +16138,22 @@
           <a:p>
             <a:r>
               <a:rPr lang="pt-PT" dirty="0"/>
-              <a:t>O trabalho prático descrito neste relatório consiste no desenvolvimento de um sistema de representação de conhecimento imperfeito que seja capaz de descrever um universo de </a:t>
-            </a:r>
-            <a:r>
-              <a:rPr lang="pt-PT" dirty="0" err="1"/>
-              <a:t>comé</a:t>
-            </a:r>
-            <a:r>
-              <a:rPr lang="es-ES_tradnl" dirty="0" err="1"/>
-              <a:t>rcio</a:t>
+              <a:t>O trabalho prático descrito neste relatório consiste no desenvolvimento de um sistema de representação de conhecimento imperfeito que seja capaz de descrever um universo de comé</a:t>
             </a:r>
             <a:r>
               <a:rPr lang="es-ES_tradnl" dirty="0"/>
-              <a:t> </a:t>
-            </a:r>
-            <a:r>
-              <a:rPr lang="es-ES_tradnl" dirty="0" err="1"/>
-              <a:t>autom</a:t>
-            </a:r>
-            <a:r>
-              <a:rPr lang="pt-PT" dirty="0" err="1"/>
-              <a:t>óvel</a:t>
+              <a:t>rcio autom</a:t>
             </a:r>
             <a:r>
               <a:rPr lang="pt-PT" dirty="0"/>
-              <a:t>, recorrendo </a:t>
+              <a:t>óvel, recorrendo </a:t>
             </a:r>
             <a:r>
               <a:rPr lang="fr-FR" dirty="0"/>
               <a:t>à </a:t>
             </a:r>
             <a:r>
-              <a:rPr lang="pt-PT" dirty="0" err="1"/>
+              <a:rPr lang="pt-PT" dirty="0"/>
               <a:t>utilizaçã</a:t>
             </a:r>
             <a:r>
@@ -16217,12 +16176,8 @@
               <a:t> l</a:t>
             </a:r>
             <a:r>
-              <a:rPr lang="pt-PT" dirty="0" err="1" smtClean="0"/>
-              <a:t>ógica</a:t>
-            </a:r>
-            <a:r>
               <a:rPr lang="pt-PT" dirty="0" smtClean="0"/>
-              <a:t> </a:t>
+              <a:t>ógica </a:t>
             </a:r>
             <a:r>
               <a:rPr lang="pt-PT" b="1" i="1" dirty="0"/>
@@ -18672,13 +18627,13 @@
   <p:clrMapOvr>
     <a:masterClrMapping/>
   </p:clrMapOvr>
-  <mc:AlternateContent xmlns:mc="http://schemas.openxmlformats.org/markup-compatibility/2006">
-    <mc:Choice xmlns:p14="http://schemas.microsoft.com/office/powerpoint/2010/main" Requires="p14">
+  <mc:AlternateContent xmlns:mc="http://schemas.openxmlformats.org/markup-compatibility/2006" xmlns:p14="http://schemas.microsoft.com/office/powerpoint/2010/main">
+    <mc:Choice Requires="p14">
       <p:transition spd="med" p14:dur="700">
         <p:fade/>
       </p:transition>
     </mc:Choice>
-    <mc:Fallback>
+    <mc:Fallback xmlns="">
       <p:transition spd="med">
         <p:fade/>
       </p:transition>
@@ -19645,7 +19600,15 @@
             </a:r>
             <a:r>
               <a:rPr lang="pt-PT" dirty="0" smtClean="0"/>
-              <a:t>utilizado já no Exercício 2;</a:t>
+              <a:t>utilizado já no </a:t>
+            </a:r>
+            <a:r>
+              <a:rPr lang="pt-PT" smtClean="0"/>
+              <a:t>Exercício </a:t>
+            </a:r>
+            <a:r>
+              <a:rPr lang="pt-PT" smtClean="0"/>
+              <a:t>1;</a:t>
             </a:r>
             <a:endParaRPr lang="pt-PT" b="1" dirty="0"/>
           </a:p>
@@ -20031,7 +19994,6 @@
               <a:rPr lang="pt-PT" dirty="0" smtClean="0"/>
               <a:t>Durante esta irão ser descritas todas as decisões importantes tomadas pelo grupo para a realização do trabalho, bem como uma demonstração e análise de resultados.</a:t>
             </a:r>
-            <a:endParaRPr lang="pt-PT" dirty="0" smtClean="0"/>
           </a:p>
         </p:txBody>
       </p:sp>
@@ -22003,7 +21965,7 @@
             <a:pPr lvl="1"/>
             <a:r>
               <a:rPr lang="pt-PT" i="1" dirty="0" err="1" smtClean="0"/>
-              <a:t>PerformanceAEDMean</a:t>
+              <a:t>Performance.AEDMean</a:t>
             </a:r>
             <a:endParaRPr lang="pt-PT" i="1" dirty="0"/>
           </a:p>
@@ -23359,29 +23321,6 @@
           <a:chExt cx="0" cy="0"/>
         </a:xfrm>
       </p:grpSpPr>
-      <p:pic>
-        <p:nvPicPr>
-          <p:cNvPr id="2" name="Imagem 1"/>
-          <p:cNvPicPr>
-            <a:picLocks noChangeAspect="1"/>
-          </p:cNvPicPr>
-          <p:nvPr/>
-        </p:nvPicPr>
-        <p:blipFill rotWithShape="1">
-          <a:blip r:embed="rId2"/>
-          <a:srcRect l="25764" r="34554" b="9752"/>
-          <a:stretch/>
-        </p:blipFill>
-        <p:spPr>
-          <a:xfrm>
-            <a:off x="4186239" y="1131887"/>
-            <a:ext cx="3157536" cy="5390071"/>
-          </a:xfrm>
-          <a:prstGeom prst="rect">
-            <a:avLst/>
-          </a:prstGeom>
-        </p:spPr>
-      </p:pic>
       <p:sp>
         <p:nvSpPr>
           <p:cNvPr id="3" name="Título 1"/>
@@ -23461,6 +23400,29 @@
           </a:p>
         </p:txBody>
       </p:sp>
+      <p:pic>
+        <p:nvPicPr>
+          <p:cNvPr id="5" name="Imagem 4"/>
+          <p:cNvPicPr>
+            <a:picLocks noChangeAspect="1"/>
+          </p:cNvPicPr>
+          <p:nvPr/>
+        </p:nvPicPr>
+        <p:blipFill rotWithShape="1">
+          <a:blip r:embed="rId2"/>
+          <a:srcRect l="26788" r="26874" b="9752"/>
+          <a:stretch/>
+        </p:blipFill>
+        <p:spPr>
+          <a:xfrm>
+            <a:off x="3943351" y="975032"/>
+            <a:ext cx="3943350" cy="5764540"/>
+          </a:xfrm>
+          <a:prstGeom prst="rect">
+            <a:avLst/>
+          </a:prstGeom>
+        </p:spPr>
+      </p:pic>
     </p:spTree>
     <p:extLst>
       <p:ext uri="{BB962C8B-B14F-4D97-AF65-F5344CB8AC3E}">
@@ -23471,18 +23433,25 @@
   <p:clrMapOvr>
     <a:masterClrMapping/>
   </p:clrMapOvr>
-  <mc:AlternateContent xmlns:mc="http://schemas.openxmlformats.org/markup-compatibility/2006">
-    <mc:Choice xmlns:p14="http://schemas.microsoft.com/office/powerpoint/2010/main" Requires="p14">
+  <mc:AlternateContent xmlns:mc="http://schemas.openxmlformats.org/markup-compatibility/2006" xmlns:p14="http://schemas.microsoft.com/office/powerpoint/2010/main">
+    <mc:Choice Requires="p14">
       <p:transition spd="med" p14:dur="700">
         <p:fade/>
       </p:transition>
     </mc:Choice>
-    <mc:Fallback>
+    <mc:Fallback xmlns="">
       <p:transition spd="med">
         <p:fade/>
       </p:transition>
     </mc:Fallback>
   </mc:AlternateContent>
+  <p:timing>
+    <p:tnLst>
+      <p:par>
+        <p:cTn id="1" dur="indefinite" restart="never" nodeType="tmRoot"/>
+      </p:par>
+    </p:tnLst>
+  </p:timing>
 </p:sld>
 </file>
 
@@ -26503,7 +26472,6 @@
               <a:rPr lang="pt-PT" dirty="0" smtClean="0"/>
               <a:t>Apresentação do caso prático</a:t>
             </a:r>
-            <a:endParaRPr lang="pt-PT" dirty="0" smtClean="0"/>
           </a:p>
           <a:p>
             <a:pPr lvl="2">
@@ -26528,20 +26496,11 @@
             </a:pPr>
             <a:r>
               <a:rPr lang="pt-PT" dirty="0" smtClean="0"/>
-              <a:t>Pressupostos</a:t>
+              <a:t>Inserção </a:t>
             </a:r>
-          </a:p>
-          <a:p>
-            <a:pPr lvl="2">
-              <a:buClr>
-                <a:srgbClr val="D15A3E"/>
-              </a:buClr>
-              <a:buFont typeface="Wingdings" panose="05000000000000000000" pitchFamily="2" charset="2"/>
-              <a:buChar char="§"/>
-            </a:pPr>
             <a:r>
               <a:rPr lang="pt-PT" dirty="0" smtClean="0"/>
-              <a:t>Inserção e Remoção de Conhecimento</a:t>
+              <a:t>e Remoção de Conhecimento</a:t>
             </a:r>
           </a:p>
           <a:p>
@@ -26768,7 +26727,6 @@
               <a:rPr lang="pt-PT" dirty="0" smtClean="0"/>
               <a:t>Melhor Escala para a Fadiga</a:t>
             </a:r>
-            <a:endParaRPr lang="pt-PT" dirty="0" smtClean="0"/>
           </a:p>
         </p:txBody>
       </p:sp>
@@ -27092,6 +27050,13 @@
       </p:transition>
     </mc:Fallback>
   </mc:AlternateContent>
+  <p:timing>
+    <p:tnLst>
+      <p:par>
+        <p:cTn id="1" dur="indefinite" restart="never" nodeType="tmRoot"/>
+      </p:par>
+    </p:tnLst>
+  </p:timing>
 </p:sld>
 </file>
 
@@ -27199,7 +27164,6 @@
               <a:rPr lang="pt-PT" dirty="0"/>
               <a:t>Fatigado.</a:t>
             </a:r>
-            <a:endParaRPr lang="pt-PT" dirty="0"/>
           </a:p>
         </p:txBody>
       </p:sp>
@@ -27574,6 +27538,13 @@
       </p:transition>
     </mc:Fallback>
   </mc:AlternateContent>
+  <p:timing>
+    <p:tnLst>
+      <p:par>
+        <p:cTn id="1" dur="indefinite" restart="never" nodeType="tmRoot"/>
+      </p:par>
+    </p:tnLst>
+  </p:timing>
 </p:sld>
 </file>
 
@@ -27606,7 +27577,7 @@
         </p:nvSpPr>
         <p:spPr>
           <a:xfrm>
-            <a:off x="0" y="1171978"/>
+            <a:off x="697477" y="1168770"/>
             <a:ext cx="11699239" cy="2045366"/>
           </a:xfrm>
         </p:spPr>
@@ -27649,14 +27620,6 @@
               </a:rPr>
               <a:t>de Conhecimento e Raciocínio</a:t>
             </a:r>
-            <a:endParaRPr lang="pt-PT" sz="6000" dirty="0">
-              <a:solidFill>
-                <a:schemeClr val="tx2">
-                  <a:lumMod val="75000"/>
-                  <a:lumOff val="25000"/>
-                </a:schemeClr>
-              </a:solidFill>
-            </a:endParaRPr>
           </a:p>
         </p:txBody>
       </p:sp>
@@ -27869,25 +27832,8 @@
                     </a:schemeClr>
                   </a:solidFill>
                 </a:rPr>
-                <a:t>Licenciatura em Engenharia </a:t>
+                <a:t>Licenciatura em Engenharia Informática</a:t>
               </a:r>
-              <a:r>
-                <a:rPr lang="pt-PT" sz="1600" dirty="0" smtClean="0">
-                  <a:solidFill>
-                    <a:schemeClr val="bg1">
-                      <a:lumMod val="65000"/>
-                    </a:schemeClr>
-                  </a:solidFill>
-                </a:rPr>
-                <a:t>Informática</a:t>
-              </a:r>
-              <a:endParaRPr lang="pt-PT" sz="1600" dirty="0" smtClean="0">
-                <a:solidFill>
-                  <a:schemeClr val="bg1">
-                    <a:lumMod val="65000"/>
-                  </a:schemeClr>
-                </a:solidFill>
-              </a:endParaRPr>
             </a:p>
           </p:txBody>
         </p:sp>
@@ -28132,13 +28078,13 @@
   <p:clrMapOvr>
     <a:masterClrMapping/>
   </p:clrMapOvr>
-  <mc:AlternateContent xmlns:mc="http://schemas.openxmlformats.org/markup-compatibility/2006">
-    <mc:Choice xmlns:p14="http://schemas.microsoft.com/office/powerpoint/2010/main" Requires="p14">
+  <mc:AlternateContent xmlns:mc="http://schemas.openxmlformats.org/markup-compatibility/2006" xmlns:p14="http://schemas.microsoft.com/office/powerpoint/2010/main">
+    <mc:Choice Requires="p14">
       <p:transition spd="med" p14:dur="700">
         <p:fade/>
       </p:transition>
     </mc:Choice>
-    <mc:Fallback>
+    <mc:Fallback xmlns="">
       <p:transition spd="med">
         <p:fade/>
       </p:transition>
@@ -28544,34 +28490,6 @@
       </p:grpSpPr>
       <p:sp>
         <p:nvSpPr>
-          <p:cNvPr id="2" name="Título 1"/>
-          <p:cNvSpPr>
-            <a:spLocks noGrp="1"/>
-          </p:cNvSpPr>
-          <p:nvPr>
-            <p:ph type="title"/>
-          </p:nvPr>
-        </p:nvSpPr>
-        <p:spPr>
-          <a:xfrm>
-            <a:off x="575534" y="358625"/>
-            <a:ext cx="9601200" cy="1142385"/>
-          </a:xfrm>
-        </p:spPr>
-        <p:txBody>
-          <a:bodyPr/>
-          <a:lstStyle/>
-          <a:p>
-            <a:r>
-              <a:rPr lang="pt-PT" dirty="0" smtClean="0"/>
-              <a:t>Pressupostos</a:t>
-            </a:r>
-            <a:endParaRPr lang="pt-PT" b="0" dirty="0"/>
-          </a:p>
-        </p:txBody>
-      </p:sp>
-      <p:sp>
-        <p:nvSpPr>
           <p:cNvPr id="3" name="Marcador de Posição de Conteúdo 2"/>
           <p:cNvSpPr>
             <a:spLocks noGrp="1"/>
@@ -28582,7 +28500,7 @@
         </p:nvSpPr>
         <p:spPr>
           <a:xfrm>
-            <a:off x="575534" y="1719170"/>
+            <a:off x="561247" y="1576295"/>
             <a:ext cx="11479306" cy="4566303"/>
           </a:xfrm>
         </p:spPr>
@@ -28675,6 +28593,34 @@
               <a:buChar char="§"/>
             </a:pPr>
             <a:endParaRPr lang="pt-PT" dirty="0"/>
+          </a:p>
+        </p:txBody>
+      </p:sp>
+      <p:sp>
+        <p:nvSpPr>
+          <p:cNvPr id="5" name="Título 1"/>
+          <p:cNvSpPr>
+            <a:spLocks noGrp="1"/>
+          </p:cNvSpPr>
+          <p:nvPr>
+            <p:ph type="title"/>
+          </p:nvPr>
+        </p:nvSpPr>
+        <p:spPr>
+          <a:xfrm>
+            <a:off x="752475" y="326688"/>
+            <a:ext cx="9601200" cy="1142385"/>
+          </a:xfrm>
+        </p:spPr>
+        <p:txBody>
+          <a:bodyPr/>
+          <a:lstStyle/>
+          <a:p>
+            <a:r>
+              <a:rPr lang="pt-PT" dirty="0" smtClean="0"/>
+              <a:t>Relações Contempladas</a:t>
+            </a:r>
+            <a:endParaRPr lang="pt-PT" b="0" dirty="0"/>
           </a:p>
         </p:txBody>
       </p:sp>
